--- a/Loan calculator tests.pptx
+++ b/Loan calculator tests.pptx
@@ -224,7 +224,7 @@
           <a:p>
             <a:fld id="{94397F9A-6F62-422D-AFE6-A7DFD2D6646B}" type="datetimeFigureOut">
               <a:rPr lang="en-US" smtClean="0"/>
-              <a:t>11/20/2017</a:t>
+              <a:t>11/21/2017</a:t>
             </a:fld>
             <a:endParaRPr lang="en-US"/>
           </a:p>
@@ -655,7 +655,7 @@
           <a:noFill/>
           <a:extLst>
             <a:ext uri="{909E8E84-426E-40dd-AFC4-6F175D3DCCD1}">
-              <a14:hiddenFill xmlns="" xmlns:a14="http://schemas.microsoft.com/office/drawing/2010/main">
+              <a14:hiddenFill xmlns:a14="http://schemas.microsoft.com/office/drawing/2010/main" xmlns="">
                 <a:solidFill>
                   <a:srgbClr val="FFFFFF"/>
                 </a:solidFill>
@@ -714,7 +714,7 @@
             </a:ln>
             <a:extLst>
               <a:ext uri="{91240B29-F687-4f45-9708-019B960494DF}">
-                <a14:hiddenLine xmlns="" xmlns:a14="http://schemas.microsoft.com/office/drawing/2010/main" w="9525">
+                <a14:hiddenLine xmlns:a14="http://schemas.microsoft.com/office/drawing/2010/main" xmlns="" w="9525">
                   <a:solidFill>
                     <a:srgbClr val="000000"/>
                   </a:solidFill>
@@ -804,7 +804,7 @@
             </a:ln>
             <a:extLst>
               <a:ext uri="{91240B29-F687-4f45-9708-019B960494DF}">
-                <a14:hiddenLine xmlns="" xmlns:a14="http://schemas.microsoft.com/office/drawing/2010/main" w="9525">
+                <a14:hiddenLine xmlns:a14="http://schemas.microsoft.com/office/drawing/2010/main" xmlns="" w="9525">
                   <a:solidFill>
                     <a:srgbClr val="000000"/>
                   </a:solidFill>
@@ -894,7 +894,7 @@
             </a:ln>
             <a:extLst>
               <a:ext uri="{91240B29-F687-4f45-9708-019B960494DF}">
-                <a14:hiddenLine xmlns="" xmlns:a14="http://schemas.microsoft.com/office/drawing/2010/main" w="9525">
+                <a14:hiddenLine xmlns:a14="http://schemas.microsoft.com/office/drawing/2010/main" xmlns="" w="9525">
                   <a:solidFill>
                     <a:srgbClr val="000000"/>
                   </a:solidFill>
@@ -928,7 +928,7 @@
             </a:ln>
             <a:extLst>
               <a:ext uri="{91240B29-F687-4f45-9708-019B960494DF}">
-                <a14:hiddenLine xmlns="" xmlns:a14="http://schemas.microsoft.com/office/drawing/2010/main" w="9525">
+                <a14:hiddenLine xmlns:a14="http://schemas.microsoft.com/office/drawing/2010/main" xmlns="" w="9525">
                   <a:solidFill>
                     <a:srgbClr val="000000"/>
                   </a:solidFill>
@@ -1018,7 +1018,7 @@
             </a:ln>
             <a:extLst>
               <a:ext uri="{91240B29-F687-4f45-9708-019B960494DF}">
-                <a14:hiddenLine xmlns="" xmlns:a14="http://schemas.microsoft.com/office/drawing/2010/main" w="9525">
+                <a14:hiddenLine xmlns:a14="http://schemas.microsoft.com/office/drawing/2010/main" xmlns="" w="9525">
                   <a:solidFill>
                     <a:srgbClr val="000000"/>
                   </a:solidFill>
@@ -1080,7 +1080,7 @@
             </a:ln>
             <a:extLst>
               <a:ext uri="{91240B29-F687-4f45-9708-019B960494DF}">
-                <a14:hiddenLine xmlns="" xmlns:a14="http://schemas.microsoft.com/office/drawing/2010/main" w="9525">
+                <a14:hiddenLine xmlns:a14="http://schemas.microsoft.com/office/drawing/2010/main" xmlns="" w="9525">
                   <a:solidFill>
                     <a:srgbClr val="000000"/>
                   </a:solidFill>
@@ -1142,7 +1142,7 @@
             </a:ln>
             <a:extLst>
               <a:ext uri="{91240B29-F687-4f45-9708-019B960494DF}">
-                <a14:hiddenLine xmlns="" xmlns:a14="http://schemas.microsoft.com/office/drawing/2010/main" w="9525">
+                <a14:hiddenLine xmlns:a14="http://schemas.microsoft.com/office/drawing/2010/main" xmlns="" w="9525">
                   <a:solidFill>
                     <a:srgbClr val="000000"/>
                   </a:solidFill>
@@ -1232,7 +1232,7 @@
             </a:ln>
             <a:extLst>
               <a:ext uri="{91240B29-F687-4f45-9708-019B960494DF}">
-                <a14:hiddenLine xmlns="" xmlns:a14="http://schemas.microsoft.com/office/drawing/2010/main" w="9525">
+                <a14:hiddenLine xmlns:a14="http://schemas.microsoft.com/office/drawing/2010/main" xmlns="" w="9525">
                   <a:solidFill>
                     <a:srgbClr val="000000"/>
                   </a:solidFill>
@@ -1294,7 +1294,7 @@
             </a:ln>
             <a:extLst>
               <a:ext uri="{91240B29-F687-4f45-9708-019B960494DF}">
-                <a14:hiddenLine xmlns="" xmlns:a14="http://schemas.microsoft.com/office/drawing/2010/main" w="9525">
+                <a14:hiddenLine xmlns:a14="http://schemas.microsoft.com/office/drawing/2010/main" xmlns="" w="9525">
                   <a:solidFill>
                     <a:srgbClr val="000000"/>
                   </a:solidFill>
@@ -1356,7 +1356,7 @@
             </a:ln>
             <a:extLst>
               <a:ext uri="{91240B29-F687-4f45-9708-019B960494DF}">
-                <a14:hiddenLine xmlns="" xmlns:a14="http://schemas.microsoft.com/office/drawing/2010/main" w="9525">
+                <a14:hiddenLine xmlns:a14="http://schemas.microsoft.com/office/drawing/2010/main" xmlns="" w="9525">
                   <a:solidFill>
                     <a:srgbClr val="000000"/>
                   </a:solidFill>
@@ -1446,7 +1446,7 @@
             </a:ln>
             <a:extLst>
               <a:ext uri="{91240B29-F687-4f45-9708-019B960494DF}">
-                <a14:hiddenLine xmlns="" xmlns:a14="http://schemas.microsoft.com/office/drawing/2010/main" w="9525">
+                <a14:hiddenLine xmlns:a14="http://schemas.microsoft.com/office/drawing/2010/main" xmlns="" w="9525">
                   <a:solidFill>
                     <a:srgbClr val="000000"/>
                   </a:solidFill>
@@ -1536,7 +1536,7 @@
             </a:ln>
             <a:extLst>
               <a:ext uri="{91240B29-F687-4f45-9708-019B960494DF}">
-                <a14:hiddenLine xmlns="" xmlns:a14="http://schemas.microsoft.com/office/drawing/2010/main" w="9525">
+                <a14:hiddenLine xmlns:a14="http://schemas.microsoft.com/office/drawing/2010/main" xmlns="" w="9525">
                   <a:solidFill>
                     <a:srgbClr val="000000"/>
                   </a:solidFill>
@@ -1598,7 +1598,7 @@
             </a:ln>
             <a:extLst>
               <a:ext uri="{91240B29-F687-4f45-9708-019B960494DF}">
-                <a14:hiddenLine xmlns="" xmlns:a14="http://schemas.microsoft.com/office/drawing/2010/main" w="9525">
+                <a14:hiddenLine xmlns:a14="http://schemas.microsoft.com/office/drawing/2010/main" xmlns="" w="9525">
                   <a:solidFill>
                     <a:srgbClr val="000000"/>
                   </a:solidFill>
@@ -1708,7 +1708,7 @@
             </a:ln>
             <a:extLst>
               <a:ext uri="{91240B29-F687-4f45-9708-019B960494DF}">
-                <a14:hiddenLine xmlns="" xmlns:a14="http://schemas.microsoft.com/office/drawing/2010/main" w="9525">
+                <a14:hiddenLine xmlns:a14="http://schemas.microsoft.com/office/drawing/2010/main" xmlns="" w="9525">
                   <a:solidFill>
                     <a:srgbClr val="000000"/>
                   </a:solidFill>
@@ -1770,7 +1770,7 @@
             </a:ln>
             <a:extLst>
               <a:ext uri="{91240B29-F687-4f45-9708-019B960494DF}">
-                <a14:hiddenLine xmlns="" xmlns:a14="http://schemas.microsoft.com/office/drawing/2010/main" w="9525">
+                <a14:hiddenLine xmlns:a14="http://schemas.microsoft.com/office/drawing/2010/main" xmlns="" w="9525">
                   <a:solidFill>
                     <a:srgbClr val="000000"/>
                   </a:solidFill>
@@ -1860,7 +1860,7 @@
             </a:ln>
             <a:extLst>
               <a:ext uri="{91240B29-F687-4f45-9708-019B960494DF}">
-                <a14:hiddenLine xmlns="" xmlns:a14="http://schemas.microsoft.com/office/drawing/2010/main" w="9525">
+                <a14:hiddenLine xmlns:a14="http://schemas.microsoft.com/office/drawing/2010/main" xmlns="" w="9525">
                   <a:solidFill>
                     <a:srgbClr val="000000"/>
                   </a:solidFill>
@@ -1950,7 +1950,7 @@
             </a:ln>
             <a:extLst>
               <a:ext uri="{91240B29-F687-4f45-9708-019B960494DF}">
-                <a14:hiddenLine xmlns="" xmlns:a14="http://schemas.microsoft.com/office/drawing/2010/main" w="9525">
+                <a14:hiddenLine xmlns:a14="http://schemas.microsoft.com/office/drawing/2010/main" xmlns="" w="9525">
                   <a:solidFill>
                     <a:srgbClr val="000000"/>
                   </a:solidFill>
@@ -2012,7 +2012,7 @@
             </a:ln>
             <a:extLst>
               <a:ext uri="{91240B29-F687-4f45-9708-019B960494DF}">
-                <a14:hiddenLine xmlns="" xmlns:a14="http://schemas.microsoft.com/office/drawing/2010/main" w="9525">
+                <a14:hiddenLine xmlns:a14="http://schemas.microsoft.com/office/drawing/2010/main" xmlns="" w="9525">
                   <a:solidFill>
                     <a:srgbClr val="000000"/>
                   </a:solidFill>
@@ -2102,7 +2102,7 @@
             </a:ln>
             <a:extLst>
               <a:ext uri="{91240B29-F687-4f45-9708-019B960494DF}">
-                <a14:hiddenLine xmlns="" xmlns:a14="http://schemas.microsoft.com/office/drawing/2010/main" w="9525">
+                <a14:hiddenLine xmlns:a14="http://schemas.microsoft.com/office/drawing/2010/main" xmlns="" w="9525">
                   <a:solidFill>
                     <a:srgbClr val="000000"/>
                   </a:solidFill>
@@ -2192,7 +2192,7 @@
             </a:ln>
             <a:extLst>
               <a:ext uri="{91240B29-F687-4f45-9708-019B960494DF}">
-                <a14:hiddenLine xmlns="" xmlns:a14="http://schemas.microsoft.com/office/drawing/2010/main" w="9525">
+                <a14:hiddenLine xmlns:a14="http://schemas.microsoft.com/office/drawing/2010/main" xmlns="" w="9525">
                   <a:solidFill>
                     <a:srgbClr val="000000"/>
                   </a:solidFill>
@@ -2248,7 +2248,7 @@
             </a:ln>
             <a:extLst>
               <a:ext uri="{91240B29-F687-4f45-9708-019B960494DF}">
-                <a14:hiddenLine xmlns="" xmlns:a14="http://schemas.microsoft.com/office/drawing/2010/main" w="9525">
+                <a14:hiddenLine xmlns:a14="http://schemas.microsoft.com/office/drawing/2010/main" xmlns="" w="9525">
                   <a:solidFill>
                     <a:srgbClr val="000000"/>
                   </a:solidFill>
@@ -2338,7 +2338,7 @@
             </a:ln>
             <a:extLst>
               <a:ext uri="{91240B29-F687-4f45-9708-019B960494DF}">
-                <a14:hiddenLine xmlns="" xmlns:a14="http://schemas.microsoft.com/office/drawing/2010/main" w="9525">
+                <a14:hiddenLine xmlns:a14="http://schemas.microsoft.com/office/drawing/2010/main" xmlns="" w="9525">
                   <a:solidFill>
                     <a:srgbClr val="000000"/>
                   </a:solidFill>
@@ -2394,7 +2394,7 @@
             </a:ln>
             <a:extLst>
               <a:ext uri="{91240B29-F687-4f45-9708-019B960494DF}">
-                <a14:hiddenLine xmlns="" xmlns:a14="http://schemas.microsoft.com/office/drawing/2010/main" w="9525">
+                <a14:hiddenLine xmlns:a14="http://schemas.microsoft.com/office/drawing/2010/main" xmlns="" w="9525">
                   <a:solidFill>
                     <a:srgbClr val="000000"/>
                   </a:solidFill>
@@ -2484,7 +2484,7 @@
             </a:ln>
             <a:extLst>
               <a:ext uri="{91240B29-F687-4f45-9708-019B960494DF}">
-                <a14:hiddenLine xmlns="" xmlns:a14="http://schemas.microsoft.com/office/drawing/2010/main" w="9525">
+                <a14:hiddenLine xmlns:a14="http://schemas.microsoft.com/office/drawing/2010/main" xmlns="" w="9525">
                   <a:solidFill>
                     <a:srgbClr val="000000"/>
                   </a:solidFill>
@@ -2552,7 +2552,7 @@
             </a:ln>
             <a:extLst>
               <a:ext uri="{91240B29-F687-4f45-9708-019B960494DF}">
-                <a14:hiddenLine xmlns="" xmlns:a14="http://schemas.microsoft.com/office/drawing/2010/main" w="9525">
+                <a14:hiddenLine xmlns:a14="http://schemas.microsoft.com/office/drawing/2010/main" xmlns="" w="9525">
                   <a:solidFill>
                     <a:srgbClr val="000000"/>
                   </a:solidFill>
@@ -2642,7 +2642,7 @@
             </a:ln>
             <a:extLst>
               <a:ext uri="{91240B29-F687-4f45-9708-019B960494DF}">
-                <a14:hiddenLine xmlns="" xmlns:a14="http://schemas.microsoft.com/office/drawing/2010/main" w="9525">
+                <a14:hiddenLine xmlns:a14="http://schemas.microsoft.com/office/drawing/2010/main" xmlns="" w="9525">
                   <a:solidFill>
                     <a:srgbClr val="000000"/>
                   </a:solidFill>
@@ -2710,7 +2710,7 @@
             </a:ln>
             <a:extLst>
               <a:ext uri="{91240B29-F687-4f45-9708-019B960494DF}">
-                <a14:hiddenLine xmlns="" xmlns:a14="http://schemas.microsoft.com/office/drawing/2010/main" w="9525">
+                <a14:hiddenLine xmlns:a14="http://schemas.microsoft.com/office/drawing/2010/main" xmlns="" w="9525">
                   <a:solidFill>
                     <a:srgbClr val="000000"/>
                   </a:solidFill>
@@ -2800,7 +2800,7 @@
             </a:ln>
             <a:extLst>
               <a:ext uri="{91240B29-F687-4f45-9708-019B960494DF}">
-                <a14:hiddenLine xmlns="" xmlns:a14="http://schemas.microsoft.com/office/drawing/2010/main" w="9525">
+                <a14:hiddenLine xmlns:a14="http://schemas.microsoft.com/office/drawing/2010/main" xmlns="" w="9525">
                   <a:solidFill>
                     <a:srgbClr val="000000"/>
                   </a:solidFill>
@@ -2834,7 +2834,7 @@
             </a:ln>
             <a:extLst>
               <a:ext uri="{91240B29-F687-4f45-9708-019B960494DF}">
-                <a14:hiddenLine xmlns="" xmlns:a14="http://schemas.microsoft.com/office/drawing/2010/main" w="9525">
+                <a14:hiddenLine xmlns:a14="http://schemas.microsoft.com/office/drawing/2010/main" xmlns="" w="9525">
                   <a:solidFill>
                     <a:srgbClr val="000000"/>
                   </a:solidFill>
@@ -2924,7 +2924,7 @@
             </a:ln>
             <a:extLst>
               <a:ext uri="{91240B29-F687-4f45-9708-019B960494DF}">
-                <a14:hiddenLine xmlns="" xmlns:a14="http://schemas.microsoft.com/office/drawing/2010/main" w="9525">
+                <a14:hiddenLine xmlns:a14="http://schemas.microsoft.com/office/drawing/2010/main" xmlns="" w="9525">
                   <a:solidFill>
                     <a:srgbClr val="000000"/>
                   </a:solidFill>
@@ -2986,7 +2986,7 @@
             </a:ln>
             <a:extLst>
               <a:ext uri="{91240B29-F687-4f45-9708-019B960494DF}">
-                <a14:hiddenLine xmlns="" xmlns:a14="http://schemas.microsoft.com/office/drawing/2010/main" w="9525">
+                <a14:hiddenLine xmlns:a14="http://schemas.microsoft.com/office/drawing/2010/main" xmlns="" w="9525">
                   <a:solidFill>
                     <a:srgbClr val="000000"/>
                   </a:solidFill>
@@ -3048,7 +3048,7 @@
             </a:ln>
             <a:extLst>
               <a:ext uri="{91240B29-F687-4f45-9708-019B960494DF}">
-                <a14:hiddenLine xmlns="" xmlns:a14="http://schemas.microsoft.com/office/drawing/2010/main" w="9525">
+                <a14:hiddenLine xmlns:a14="http://schemas.microsoft.com/office/drawing/2010/main" xmlns="" w="9525">
                   <a:solidFill>
                     <a:srgbClr val="000000"/>
                   </a:solidFill>
@@ -3138,7 +3138,7 @@
             </a:ln>
             <a:extLst>
               <a:ext uri="{91240B29-F687-4f45-9708-019B960494DF}">
-                <a14:hiddenLine xmlns="" xmlns:a14="http://schemas.microsoft.com/office/drawing/2010/main" w="9525">
+                <a14:hiddenLine xmlns:a14="http://schemas.microsoft.com/office/drawing/2010/main" xmlns="" w="9525">
                   <a:solidFill>
                     <a:srgbClr val="000000"/>
                   </a:solidFill>
@@ -3206,7 +3206,7 @@
             </a:ln>
             <a:extLst>
               <a:ext uri="{91240B29-F687-4f45-9708-019B960494DF}">
-                <a14:hiddenLine xmlns="" xmlns:a14="http://schemas.microsoft.com/office/drawing/2010/main" w="9525">
+                <a14:hiddenLine xmlns:a14="http://schemas.microsoft.com/office/drawing/2010/main" xmlns="" w="9525">
                   <a:solidFill>
                     <a:srgbClr val="000000"/>
                   </a:solidFill>
@@ -3268,7 +3268,7 @@
             </a:ln>
             <a:extLst>
               <a:ext uri="{91240B29-F687-4f45-9708-019B960494DF}">
-                <a14:hiddenLine xmlns="" xmlns:a14="http://schemas.microsoft.com/office/drawing/2010/main" w="9525">
+                <a14:hiddenLine xmlns:a14="http://schemas.microsoft.com/office/drawing/2010/main" xmlns="" w="9525">
                   <a:solidFill>
                     <a:srgbClr val="000000"/>
                   </a:solidFill>
@@ -3358,7 +3358,7 @@
             </a:ln>
             <a:extLst>
               <a:ext uri="{91240B29-F687-4f45-9708-019B960494DF}">
-                <a14:hiddenLine xmlns="" xmlns:a14="http://schemas.microsoft.com/office/drawing/2010/main" w="9525">
+                <a14:hiddenLine xmlns:a14="http://schemas.microsoft.com/office/drawing/2010/main" xmlns="" w="9525">
                   <a:solidFill>
                     <a:srgbClr val="000000"/>
                   </a:solidFill>
@@ -3420,7 +3420,7 @@
             </a:ln>
             <a:extLst>
               <a:ext uri="{91240B29-F687-4f45-9708-019B960494DF}">
-                <a14:hiddenLine xmlns="" xmlns:a14="http://schemas.microsoft.com/office/drawing/2010/main" w="9525">
+                <a14:hiddenLine xmlns:a14="http://schemas.microsoft.com/office/drawing/2010/main" xmlns="" w="9525">
                   <a:solidFill>
                     <a:srgbClr val="000000"/>
                   </a:solidFill>
@@ -3510,7 +3510,7 @@
             </a:ln>
             <a:extLst>
               <a:ext uri="{91240B29-F687-4f45-9708-019B960494DF}">
-                <a14:hiddenLine xmlns="" xmlns:a14="http://schemas.microsoft.com/office/drawing/2010/main" w="9525">
+                <a14:hiddenLine xmlns:a14="http://schemas.microsoft.com/office/drawing/2010/main" xmlns="" w="9525">
                   <a:solidFill>
                     <a:srgbClr val="000000"/>
                   </a:solidFill>
@@ -3572,7 +3572,7 @@
             </a:ln>
             <a:extLst>
               <a:ext uri="{91240B29-F687-4f45-9708-019B960494DF}">
-                <a14:hiddenLine xmlns="" xmlns:a14="http://schemas.microsoft.com/office/drawing/2010/main" w="9525">
+                <a14:hiddenLine xmlns:a14="http://schemas.microsoft.com/office/drawing/2010/main" xmlns="" w="9525">
                   <a:solidFill>
                     <a:srgbClr val="000000"/>
                   </a:solidFill>
@@ -3662,7 +3662,7 @@
             </a:ln>
             <a:extLst>
               <a:ext uri="{91240B29-F687-4f45-9708-019B960494DF}">
-                <a14:hiddenLine xmlns="" xmlns:a14="http://schemas.microsoft.com/office/drawing/2010/main" w="9525">
+                <a14:hiddenLine xmlns:a14="http://schemas.microsoft.com/office/drawing/2010/main" xmlns="" w="9525">
                   <a:solidFill>
                     <a:srgbClr val="000000"/>
                   </a:solidFill>
@@ -3696,7 +3696,7 @@
             </a:ln>
             <a:extLst>
               <a:ext uri="{91240B29-F687-4f45-9708-019B960494DF}">
-                <a14:hiddenLine xmlns="" xmlns:a14="http://schemas.microsoft.com/office/drawing/2010/main" w="9525">
+                <a14:hiddenLine xmlns:a14="http://schemas.microsoft.com/office/drawing/2010/main" xmlns="" w="9525">
                   <a:solidFill>
                     <a:srgbClr val="000000"/>
                   </a:solidFill>
@@ -3761,7 +3761,7 @@
             </a:ln>
             <a:extLst>
               <a:ext uri="{91240B29-F687-4f45-9708-019B960494DF}">
-                <a14:hiddenLine xmlns="" xmlns:a14="http://schemas.microsoft.com/office/drawing/2010/main" w="9525">
+                <a14:hiddenLine xmlns:a14="http://schemas.microsoft.com/office/drawing/2010/main" xmlns="" w="9525">
                   <a:solidFill>
                     <a:srgbClr val="000000"/>
                   </a:solidFill>
@@ -3851,7 +3851,7 @@
             </a:ln>
             <a:extLst>
               <a:ext uri="{91240B29-F687-4f45-9708-019B960494DF}">
-                <a14:hiddenLine xmlns="" xmlns:a14="http://schemas.microsoft.com/office/drawing/2010/main" w="9525">
+                <a14:hiddenLine xmlns:a14="http://schemas.microsoft.com/office/drawing/2010/main" xmlns="" w="9525">
                   <a:solidFill>
                     <a:srgbClr val="000000"/>
                   </a:solidFill>
@@ -3913,7 +3913,7 @@
             </a:ln>
             <a:extLst>
               <a:ext uri="{91240B29-F687-4f45-9708-019B960494DF}">
-                <a14:hiddenLine xmlns="" xmlns:a14="http://schemas.microsoft.com/office/drawing/2010/main" w="9525">
+                <a14:hiddenLine xmlns:a14="http://schemas.microsoft.com/office/drawing/2010/main" xmlns="" w="9525">
                   <a:solidFill>
                     <a:srgbClr val="000000"/>
                   </a:solidFill>
@@ -4003,7 +4003,7 @@
             </a:ln>
             <a:extLst>
               <a:ext uri="{91240B29-F687-4f45-9708-019B960494DF}">
-                <a14:hiddenLine xmlns="" xmlns:a14="http://schemas.microsoft.com/office/drawing/2010/main" w="9525">
+                <a14:hiddenLine xmlns:a14="http://schemas.microsoft.com/office/drawing/2010/main" xmlns="" w="9525">
                   <a:solidFill>
                     <a:srgbClr val="000000"/>
                   </a:solidFill>
@@ -4093,7 +4093,7 @@
             </a:ln>
             <a:extLst>
               <a:ext uri="{91240B29-F687-4f45-9708-019B960494DF}">
-                <a14:hiddenLine xmlns="" xmlns:a14="http://schemas.microsoft.com/office/drawing/2010/main" w="9525">
+                <a14:hiddenLine xmlns:a14="http://schemas.microsoft.com/office/drawing/2010/main" xmlns="" w="9525">
                   <a:solidFill>
                     <a:srgbClr val="000000"/>
                   </a:solidFill>
@@ -4158,7 +4158,7 @@
             </a:ln>
             <a:extLst>
               <a:ext uri="{91240B29-F687-4f45-9708-019B960494DF}">
-                <a14:hiddenLine xmlns="" xmlns:a14="http://schemas.microsoft.com/office/drawing/2010/main" w="9525">
+                <a14:hiddenLine xmlns:a14="http://schemas.microsoft.com/office/drawing/2010/main" xmlns="" w="9525">
                   <a:solidFill>
                     <a:srgbClr val="000000"/>
                   </a:solidFill>
@@ -4220,7 +4220,7 @@
             </a:ln>
             <a:extLst>
               <a:ext uri="{91240B29-F687-4f45-9708-019B960494DF}">
-                <a14:hiddenLine xmlns="" xmlns:a14="http://schemas.microsoft.com/office/drawing/2010/main" w="9525">
+                <a14:hiddenLine xmlns:a14="http://schemas.microsoft.com/office/drawing/2010/main" xmlns="" w="9525">
                   <a:solidFill>
                     <a:srgbClr val="000000"/>
                   </a:solidFill>
@@ -4310,7 +4310,7 @@
             </a:ln>
             <a:extLst>
               <a:ext uri="{91240B29-F687-4f45-9708-019B960494DF}">
-                <a14:hiddenLine xmlns="" xmlns:a14="http://schemas.microsoft.com/office/drawing/2010/main" w="9525">
+                <a14:hiddenLine xmlns:a14="http://schemas.microsoft.com/office/drawing/2010/main" xmlns="" w="9525">
                   <a:solidFill>
                     <a:srgbClr val="000000"/>
                   </a:solidFill>
@@ -4400,7 +4400,7 @@
             </a:ln>
             <a:extLst>
               <a:ext uri="{91240B29-F687-4f45-9708-019B960494DF}">
-                <a14:hiddenLine xmlns="" xmlns:a14="http://schemas.microsoft.com/office/drawing/2010/main" w="9525">
+                <a14:hiddenLine xmlns:a14="http://schemas.microsoft.com/office/drawing/2010/main" xmlns="" w="9525">
                   <a:solidFill>
                     <a:srgbClr val="000000"/>
                   </a:solidFill>
@@ -4462,7 +4462,7 @@
             </a:ln>
             <a:extLst>
               <a:ext uri="{91240B29-F687-4f45-9708-019B960494DF}">
-                <a14:hiddenLine xmlns="" xmlns:a14="http://schemas.microsoft.com/office/drawing/2010/main" w="9525">
+                <a14:hiddenLine xmlns:a14="http://schemas.microsoft.com/office/drawing/2010/main" xmlns="" w="9525">
                   <a:solidFill>
                     <a:srgbClr val="000000"/>
                   </a:solidFill>
@@ -4582,7 +4582,7 @@
             </a:ln>
             <a:extLst>
               <a:ext uri="{91240B29-F687-4f45-9708-019B960494DF}">
-                <a14:hiddenLine xmlns="" xmlns:a14="http://schemas.microsoft.com/office/drawing/2010/main" w="9525">
+                <a14:hiddenLine xmlns:a14="http://schemas.microsoft.com/office/drawing/2010/main" xmlns="" w="9525">
                   <a:solidFill>
                     <a:srgbClr val="000000"/>
                   </a:solidFill>
@@ -4650,7 +4650,7 @@
             </a:ln>
             <a:extLst>
               <a:ext uri="{91240B29-F687-4f45-9708-019B960494DF}">
-                <a14:hiddenLine xmlns="" xmlns:a14="http://schemas.microsoft.com/office/drawing/2010/main" w="9525">
+                <a14:hiddenLine xmlns:a14="http://schemas.microsoft.com/office/drawing/2010/main" xmlns="" w="9525">
                   <a:solidFill>
                     <a:srgbClr val="000000"/>
                   </a:solidFill>
@@ -4740,7 +4740,7 @@
             </a:ln>
             <a:extLst>
               <a:ext uri="{91240B29-F687-4f45-9708-019B960494DF}">
-                <a14:hiddenLine xmlns="" xmlns:a14="http://schemas.microsoft.com/office/drawing/2010/main" w="9525">
+                <a14:hiddenLine xmlns:a14="http://schemas.microsoft.com/office/drawing/2010/main" xmlns="" w="9525">
                   <a:solidFill>
                     <a:srgbClr val="000000"/>
                   </a:solidFill>
@@ -4880,7 +4880,7 @@
           <a:p>
             <a:fld id="{48A87A34-81AB-432B-8DAE-1953F412C126}" type="datetimeFigureOut">
               <a:rPr lang="en-US" dirty="0"/>
-              <a:t>11/20/2017</a:t>
+              <a:t>11/21/2017</a:t>
             </a:fld>
             <a:endParaRPr lang="en-US" dirty="0"/>
           </a:p>
@@ -5142,7 +5142,7 @@
           <a:p>
             <a:fld id="{48A87A34-81AB-432B-8DAE-1953F412C126}" type="datetimeFigureOut">
               <a:rPr lang="en-US" dirty="0"/>
-              <a:t>11/20/2017</a:t>
+              <a:t>11/21/2017</a:t>
             </a:fld>
             <a:endParaRPr lang="en-US" dirty="0"/>
           </a:p>
@@ -5333,7 +5333,7 @@
           <a:p>
             <a:fld id="{48A87A34-81AB-432B-8DAE-1953F412C126}" type="datetimeFigureOut">
               <a:rPr lang="en-US" dirty="0"/>
-              <a:t>11/20/2017</a:t>
+              <a:t>11/21/2017</a:t>
             </a:fld>
             <a:endParaRPr lang="en-US" dirty="0"/>
           </a:p>
@@ -5591,7 +5591,7 @@
           <a:p>
             <a:fld id="{48A87A34-81AB-432B-8DAE-1953F412C126}" type="datetimeFigureOut">
               <a:rPr lang="en-US" dirty="0"/>
-              <a:t>11/20/2017</a:t>
+              <a:t>11/21/2017</a:t>
             </a:fld>
             <a:endParaRPr lang="en-US" dirty="0"/>
           </a:p>
@@ -6020,7 +6020,7 @@
           <a:p>
             <a:fld id="{48A87A34-81AB-432B-8DAE-1953F412C126}" type="datetimeFigureOut">
               <a:rPr lang="en-US" dirty="0"/>
-              <a:t>11/20/2017</a:t>
+              <a:t>11/21/2017</a:t>
             </a:fld>
             <a:endParaRPr lang="en-US" dirty="0"/>
           </a:p>
@@ -6561,7 +6561,7 @@
           <a:p>
             <a:fld id="{48A87A34-81AB-432B-8DAE-1953F412C126}" type="datetimeFigureOut">
               <a:rPr lang="en-US" dirty="0"/>
-              <a:t>11/20/2017</a:t>
+              <a:t>11/21/2017</a:t>
             </a:fld>
             <a:endParaRPr lang="en-US" dirty="0"/>
           </a:p>
@@ -7276,7 +7276,7 @@
           <a:p>
             <a:fld id="{48A87A34-81AB-432B-8DAE-1953F412C126}" type="datetimeFigureOut">
               <a:rPr lang="en-US" dirty="0"/>
-              <a:t>11/20/2017</a:t>
+              <a:t>11/21/2017</a:t>
             </a:fld>
             <a:endParaRPr lang="en-US" dirty="0"/>
           </a:p>
@@ -7441,7 +7441,7 @@
           <a:p>
             <a:fld id="{48A87A34-81AB-432B-8DAE-1953F412C126}" type="datetimeFigureOut">
               <a:rPr lang="en-US" dirty="0"/>
-              <a:t>11/20/2017</a:t>
+              <a:t>11/21/2017</a:t>
             </a:fld>
             <a:endParaRPr lang="en-US" dirty="0"/>
           </a:p>
@@ -7616,7 +7616,7 @@
           <a:p>
             <a:fld id="{48A87A34-81AB-432B-8DAE-1953F412C126}" type="datetimeFigureOut">
               <a:rPr lang="en-US" dirty="0"/>
-              <a:t>11/20/2017</a:t>
+              <a:t>11/21/2017</a:t>
             </a:fld>
             <a:endParaRPr lang="en-US" dirty="0"/>
           </a:p>
@@ -7781,7 +7781,7 @@
           <a:p>
             <a:fld id="{48A87A34-81AB-432B-8DAE-1953F412C126}" type="datetimeFigureOut">
               <a:rPr lang="en-US" dirty="0"/>
-              <a:t>11/20/2017</a:t>
+              <a:t>11/21/2017</a:t>
             </a:fld>
             <a:endParaRPr lang="en-US" dirty="0"/>
           </a:p>
@@ -8026,7 +8026,7 @@
           <a:p>
             <a:fld id="{48A87A34-81AB-432B-8DAE-1953F412C126}" type="datetimeFigureOut">
               <a:rPr lang="en-US" dirty="0"/>
-              <a:t>11/20/2017</a:t>
+              <a:t>11/21/2017</a:t>
             </a:fld>
             <a:endParaRPr lang="en-US" dirty="0"/>
           </a:p>
@@ -8253,7 +8253,7 @@
           <a:p>
             <a:fld id="{48A87A34-81AB-432B-8DAE-1953F412C126}" type="datetimeFigureOut">
               <a:rPr lang="en-US" dirty="0"/>
-              <a:t>11/20/2017</a:t>
+              <a:t>11/21/2017</a:t>
             </a:fld>
             <a:endParaRPr lang="en-US" dirty="0"/>
           </a:p>
@@ -8629,7 +8629,7 @@
           <a:p>
             <a:fld id="{48A87A34-81AB-432B-8DAE-1953F412C126}" type="datetimeFigureOut">
               <a:rPr lang="en-US" dirty="0"/>
-              <a:t>11/20/2017</a:t>
+              <a:t>11/21/2017</a:t>
             </a:fld>
             <a:endParaRPr lang="en-US" dirty="0"/>
           </a:p>
@@ -8742,7 +8742,7 @@
           <a:p>
             <a:fld id="{48A87A34-81AB-432B-8DAE-1953F412C126}" type="datetimeFigureOut">
               <a:rPr lang="en-US" dirty="0"/>
-              <a:t>11/20/2017</a:t>
+              <a:t>11/21/2017</a:t>
             </a:fld>
             <a:endParaRPr lang="en-US" dirty="0"/>
           </a:p>
@@ -8832,7 +8832,7 @@
           <a:p>
             <a:fld id="{48A87A34-81AB-432B-8DAE-1953F412C126}" type="datetimeFigureOut">
               <a:rPr lang="en-US" dirty="0"/>
-              <a:t>11/20/2017</a:t>
+              <a:t>11/21/2017</a:t>
             </a:fld>
             <a:endParaRPr lang="en-US" dirty="0"/>
           </a:p>
@@ -9076,7 +9076,7 @@
           <a:p>
             <a:fld id="{48A87A34-81AB-432B-8DAE-1953F412C126}" type="datetimeFigureOut">
               <a:rPr lang="en-US" dirty="0"/>
-              <a:t>11/20/2017</a:t>
+              <a:t>11/21/2017</a:t>
             </a:fld>
             <a:endParaRPr lang="en-US" dirty="0"/>
           </a:p>
@@ -9351,7 +9351,7 @@
           <a:p>
             <a:fld id="{48A87A34-81AB-432B-8DAE-1953F412C126}" type="datetimeFigureOut">
               <a:rPr lang="en-US" dirty="0"/>
-              <a:t>11/20/2017</a:t>
+              <a:t>11/21/2017</a:t>
             </a:fld>
             <a:endParaRPr lang="en-US" dirty="0"/>
           </a:p>
@@ -9469,7 +9469,7 @@
           <a:noFill/>
           <a:extLst>
             <a:ext uri="{909E8E84-426E-40dd-AFC4-6F175D3DCCD1}">
-              <a14:hiddenFill xmlns="" xmlns:a14="http://schemas.microsoft.com/office/drawing/2010/main">
+              <a14:hiddenFill xmlns:a14="http://schemas.microsoft.com/office/drawing/2010/main" xmlns="">
                 <a:solidFill>
                   <a:srgbClr val="FFFFFF"/>
                 </a:solidFill>
@@ -9543,7 +9543,7 @@
               </a:ln>
               <a:extLst>
                 <a:ext uri="{91240B29-F687-4f45-9708-019B960494DF}">
-                  <a14:hiddenLine xmlns="" xmlns:a14="http://schemas.microsoft.com/office/drawing/2010/main" w="9525">
+                  <a14:hiddenLine xmlns:a14="http://schemas.microsoft.com/office/drawing/2010/main" xmlns="" w="9525">
                     <a:solidFill>
                       <a:srgbClr val="000000"/>
                     </a:solidFill>
@@ -9633,7 +9633,7 @@
               </a:ln>
               <a:extLst>
                 <a:ext uri="{91240B29-F687-4f45-9708-019B960494DF}">
-                  <a14:hiddenLine xmlns="" xmlns:a14="http://schemas.microsoft.com/office/drawing/2010/main" w="9525">
+                  <a14:hiddenLine xmlns:a14="http://schemas.microsoft.com/office/drawing/2010/main" xmlns="" w="9525">
                     <a:solidFill>
                       <a:srgbClr val="000000"/>
                     </a:solidFill>
@@ -9723,7 +9723,7 @@
               </a:ln>
               <a:extLst>
                 <a:ext uri="{91240B29-F687-4f45-9708-019B960494DF}">
-                  <a14:hiddenLine xmlns="" xmlns:a14="http://schemas.microsoft.com/office/drawing/2010/main" w="9525">
+                  <a14:hiddenLine xmlns:a14="http://schemas.microsoft.com/office/drawing/2010/main" xmlns="" w="9525">
                     <a:solidFill>
                       <a:srgbClr val="000000"/>
                     </a:solidFill>
@@ -9785,7 +9785,7 @@
               </a:ln>
               <a:extLst>
                 <a:ext uri="{91240B29-F687-4f45-9708-019B960494DF}">
-                  <a14:hiddenLine xmlns="" xmlns:a14="http://schemas.microsoft.com/office/drawing/2010/main" w="9525">
+                  <a14:hiddenLine xmlns:a14="http://schemas.microsoft.com/office/drawing/2010/main" xmlns="" w="9525">
                     <a:solidFill>
                       <a:srgbClr val="000000"/>
                     </a:solidFill>
@@ -9875,7 +9875,7 @@
               </a:ln>
               <a:extLst>
                 <a:ext uri="{91240B29-F687-4f45-9708-019B960494DF}">
-                  <a14:hiddenLine xmlns="" xmlns:a14="http://schemas.microsoft.com/office/drawing/2010/main" w="9525">
+                  <a14:hiddenLine xmlns:a14="http://schemas.microsoft.com/office/drawing/2010/main" xmlns="" w="9525">
                     <a:solidFill>
                       <a:srgbClr val="000000"/>
                     </a:solidFill>
@@ -9937,7 +9937,7 @@
               </a:ln>
               <a:extLst>
                 <a:ext uri="{91240B29-F687-4f45-9708-019B960494DF}">
-                  <a14:hiddenLine xmlns="" xmlns:a14="http://schemas.microsoft.com/office/drawing/2010/main" w="9525">
+                  <a14:hiddenLine xmlns:a14="http://schemas.microsoft.com/office/drawing/2010/main" xmlns="" w="9525">
                     <a:solidFill>
                       <a:srgbClr val="000000"/>
                     </a:solidFill>
@@ -9999,7 +9999,7 @@
               </a:ln>
               <a:extLst>
                 <a:ext uri="{91240B29-F687-4f45-9708-019B960494DF}">
-                  <a14:hiddenLine xmlns="" xmlns:a14="http://schemas.microsoft.com/office/drawing/2010/main" w="9525">
+                  <a14:hiddenLine xmlns:a14="http://schemas.microsoft.com/office/drawing/2010/main" xmlns="" w="9525">
                     <a:solidFill>
                       <a:srgbClr val="000000"/>
                     </a:solidFill>
@@ -10089,7 +10089,7 @@
               </a:ln>
               <a:extLst>
                 <a:ext uri="{91240B29-F687-4f45-9708-019B960494DF}">
-                  <a14:hiddenLine xmlns="" xmlns:a14="http://schemas.microsoft.com/office/drawing/2010/main" w="9525">
+                  <a14:hiddenLine xmlns:a14="http://schemas.microsoft.com/office/drawing/2010/main" xmlns="" w="9525">
                     <a:solidFill>
                       <a:srgbClr val="000000"/>
                     </a:solidFill>
@@ -10179,7 +10179,7 @@
               </a:ln>
               <a:extLst>
                 <a:ext uri="{91240B29-F687-4f45-9708-019B960494DF}">
-                  <a14:hiddenLine xmlns="" xmlns:a14="http://schemas.microsoft.com/office/drawing/2010/main" w="9525">
+                  <a14:hiddenLine xmlns:a14="http://schemas.microsoft.com/office/drawing/2010/main" xmlns="" w="9525">
                     <a:solidFill>
                       <a:srgbClr val="000000"/>
                     </a:solidFill>
@@ -10241,7 +10241,7 @@
               </a:ln>
               <a:extLst>
                 <a:ext uri="{91240B29-F687-4f45-9708-019B960494DF}">
-                  <a14:hiddenLine xmlns="" xmlns:a14="http://schemas.microsoft.com/office/drawing/2010/main" w="9525">
+                  <a14:hiddenLine xmlns:a14="http://schemas.microsoft.com/office/drawing/2010/main" xmlns="" w="9525">
                     <a:solidFill>
                       <a:srgbClr val="000000"/>
                     </a:solidFill>
@@ -10351,7 +10351,7 @@
               </a:ln>
               <a:extLst>
                 <a:ext uri="{91240B29-F687-4f45-9708-019B960494DF}">
-                  <a14:hiddenLine xmlns="" xmlns:a14="http://schemas.microsoft.com/office/drawing/2010/main" w="9525">
+                  <a14:hiddenLine xmlns:a14="http://schemas.microsoft.com/office/drawing/2010/main" xmlns="" w="9525">
                     <a:solidFill>
                       <a:srgbClr val="000000"/>
                     </a:solidFill>
@@ -10435,7 +10435,7 @@
               </a:ln>
               <a:extLst>
                 <a:ext uri="{91240B29-F687-4f45-9708-019B960494DF}">
-                  <a14:hiddenLine xmlns="" xmlns:a14="http://schemas.microsoft.com/office/drawing/2010/main" w="9525">
+                  <a14:hiddenLine xmlns:a14="http://schemas.microsoft.com/office/drawing/2010/main" xmlns="" w="9525">
                     <a:solidFill>
                       <a:srgbClr val="000000"/>
                     </a:solidFill>
@@ -10497,7 +10497,7 @@
               </a:ln>
               <a:extLst>
                 <a:ext uri="{91240B29-F687-4f45-9708-019B960494DF}">
-                  <a14:hiddenLine xmlns="" xmlns:a14="http://schemas.microsoft.com/office/drawing/2010/main" w="9525">
+                  <a14:hiddenLine xmlns:a14="http://schemas.microsoft.com/office/drawing/2010/main" xmlns="" w="9525">
                     <a:solidFill>
                       <a:srgbClr val="000000"/>
                     </a:solidFill>
@@ -10559,7 +10559,7 @@
               </a:ln>
               <a:extLst>
                 <a:ext uri="{91240B29-F687-4f45-9708-019B960494DF}">
-                  <a14:hiddenLine xmlns="" xmlns:a14="http://schemas.microsoft.com/office/drawing/2010/main" w="9525">
+                  <a14:hiddenLine xmlns:a14="http://schemas.microsoft.com/office/drawing/2010/main" xmlns="" w="9525">
                     <a:solidFill>
                       <a:srgbClr val="000000"/>
                     </a:solidFill>
@@ -10649,7 +10649,7 @@
               </a:ln>
               <a:extLst>
                 <a:ext uri="{91240B29-F687-4f45-9708-019B960494DF}">
-                  <a14:hiddenLine xmlns="" xmlns:a14="http://schemas.microsoft.com/office/drawing/2010/main" w="9525">
+                  <a14:hiddenLine xmlns:a14="http://schemas.microsoft.com/office/drawing/2010/main" xmlns="" w="9525">
                     <a:solidFill>
                       <a:srgbClr val="000000"/>
                     </a:solidFill>
@@ -10683,7 +10683,7 @@
               </a:ln>
               <a:extLst>
                 <a:ext uri="{91240B29-F687-4f45-9708-019B960494DF}">
-                  <a14:hiddenLine xmlns="" xmlns:a14="http://schemas.microsoft.com/office/drawing/2010/main" w="9525">
+                  <a14:hiddenLine xmlns:a14="http://schemas.microsoft.com/office/drawing/2010/main" xmlns="" w="9525">
                     <a:solidFill>
                       <a:srgbClr val="000000"/>
                     </a:solidFill>
@@ -10748,7 +10748,7 @@
               </a:ln>
               <a:extLst>
                 <a:ext uri="{91240B29-F687-4f45-9708-019B960494DF}">
-                  <a14:hiddenLine xmlns="" xmlns:a14="http://schemas.microsoft.com/office/drawing/2010/main" w="9525">
+                  <a14:hiddenLine xmlns:a14="http://schemas.microsoft.com/office/drawing/2010/main" xmlns="" w="9525">
                     <a:solidFill>
                       <a:srgbClr val="000000"/>
                     </a:solidFill>
@@ -10838,7 +10838,7 @@
               </a:ln>
               <a:extLst>
                 <a:ext uri="{91240B29-F687-4f45-9708-019B960494DF}">
-                  <a14:hiddenLine xmlns="" xmlns:a14="http://schemas.microsoft.com/office/drawing/2010/main" w="9525">
+                  <a14:hiddenLine xmlns:a14="http://schemas.microsoft.com/office/drawing/2010/main" xmlns="" w="9525">
                     <a:solidFill>
                       <a:srgbClr val="000000"/>
                     </a:solidFill>
@@ -10900,7 +10900,7 @@
               </a:ln>
               <a:extLst>
                 <a:ext uri="{91240B29-F687-4f45-9708-019B960494DF}">
-                  <a14:hiddenLine xmlns="" xmlns:a14="http://schemas.microsoft.com/office/drawing/2010/main" w="9525">
+                  <a14:hiddenLine xmlns:a14="http://schemas.microsoft.com/office/drawing/2010/main" xmlns="" w="9525">
                     <a:solidFill>
                       <a:srgbClr val="000000"/>
                     </a:solidFill>
@@ -10990,7 +10990,7 @@
               </a:ln>
               <a:extLst>
                 <a:ext uri="{91240B29-F687-4f45-9708-019B960494DF}">
-                  <a14:hiddenLine xmlns="" xmlns:a14="http://schemas.microsoft.com/office/drawing/2010/main" w="9525">
+                  <a14:hiddenLine xmlns:a14="http://schemas.microsoft.com/office/drawing/2010/main" xmlns="" w="9525">
                     <a:solidFill>
                       <a:srgbClr val="000000"/>
                     </a:solidFill>
@@ -11055,7 +11055,7 @@
               </a:ln>
               <a:extLst>
                 <a:ext uri="{91240B29-F687-4f45-9708-019B960494DF}">
-                  <a14:hiddenLine xmlns="" xmlns:a14="http://schemas.microsoft.com/office/drawing/2010/main" w="9525">
+                  <a14:hiddenLine xmlns:a14="http://schemas.microsoft.com/office/drawing/2010/main" xmlns="" w="9525">
                     <a:solidFill>
                       <a:srgbClr val="000000"/>
                     </a:solidFill>
@@ -11117,7 +11117,7 @@
               </a:ln>
               <a:extLst>
                 <a:ext uri="{91240B29-F687-4f45-9708-019B960494DF}">
-                  <a14:hiddenLine xmlns="" xmlns:a14="http://schemas.microsoft.com/office/drawing/2010/main" w="9525">
+                  <a14:hiddenLine xmlns:a14="http://schemas.microsoft.com/office/drawing/2010/main" xmlns="" w="9525">
                     <a:solidFill>
                       <a:srgbClr val="000000"/>
                     </a:solidFill>
@@ -11207,7 +11207,7 @@
               </a:ln>
               <a:extLst>
                 <a:ext uri="{91240B29-F687-4f45-9708-019B960494DF}">
-                  <a14:hiddenLine xmlns="" xmlns:a14="http://schemas.microsoft.com/office/drawing/2010/main" w="9525">
+                  <a14:hiddenLine xmlns:a14="http://schemas.microsoft.com/office/drawing/2010/main" xmlns="" w="9525">
                     <a:solidFill>
                       <a:srgbClr val="000000"/>
                     </a:solidFill>
@@ -11297,7 +11297,7 @@
               </a:ln>
               <a:extLst>
                 <a:ext uri="{91240B29-F687-4f45-9708-019B960494DF}">
-                  <a14:hiddenLine xmlns="" xmlns:a14="http://schemas.microsoft.com/office/drawing/2010/main" w="9525">
+                  <a14:hiddenLine xmlns:a14="http://schemas.microsoft.com/office/drawing/2010/main" xmlns="" w="9525">
                     <a:solidFill>
                       <a:srgbClr val="000000"/>
                     </a:solidFill>
@@ -11362,7 +11362,7 @@
               </a:ln>
               <a:extLst>
                 <a:ext uri="{91240B29-F687-4f45-9708-019B960494DF}">
-                  <a14:hiddenLine xmlns="" xmlns:a14="http://schemas.microsoft.com/office/drawing/2010/main" w="9525">
+                  <a14:hiddenLine xmlns:a14="http://schemas.microsoft.com/office/drawing/2010/main" xmlns="" w="9525">
                     <a:solidFill>
                       <a:srgbClr val="000000"/>
                     </a:solidFill>
@@ -11482,7 +11482,7 @@
               </a:ln>
               <a:extLst>
                 <a:ext uri="{91240B29-F687-4f45-9708-019B960494DF}">
-                  <a14:hiddenLine xmlns="" xmlns:a14="http://schemas.microsoft.com/office/drawing/2010/main" w="9525">
+                  <a14:hiddenLine xmlns:a14="http://schemas.microsoft.com/office/drawing/2010/main" xmlns="" w="9525">
                     <a:solidFill>
                       <a:srgbClr val="000000"/>
                     </a:solidFill>
@@ -11563,7 +11563,7 @@
               </a:ln>
               <a:extLst>
                 <a:ext uri="{91240B29-F687-4f45-9708-019B960494DF}">
-                  <a14:hiddenLine xmlns="" xmlns:a14="http://schemas.microsoft.com/office/drawing/2010/main" w="9525">
+                  <a14:hiddenLine xmlns:a14="http://schemas.microsoft.com/office/drawing/2010/main" xmlns="" w="9525">
                     <a:solidFill>
                       <a:srgbClr val="000000"/>
                     </a:solidFill>
@@ -11678,7 +11678,7 @@
               </a:ln>
               <a:extLst>
                 <a:ext uri="{91240B29-F687-4f45-9708-019B960494DF}">
-                  <a14:hiddenLine xmlns="" xmlns:a14="http://schemas.microsoft.com/office/drawing/2010/main" w="9525">
+                  <a14:hiddenLine xmlns:a14="http://schemas.microsoft.com/office/drawing/2010/main" xmlns="" w="9525">
                     <a:solidFill>
                       <a:srgbClr val="000000"/>
                     </a:solidFill>
@@ -11768,7 +11768,7 @@
               </a:ln>
               <a:extLst>
                 <a:ext uri="{91240B29-F687-4f45-9708-019B960494DF}">
-                  <a14:hiddenLine xmlns="" xmlns:a14="http://schemas.microsoft.com/office/drawing/2010/main" w="9525">
+                  <a14:hiddenLine xmlns:a14="http://schemas.microsoft.com/office/drawing/2010/main" xmlns="" w="9525">
                     <a:solidFill>
                       <a:srgbClr val="000000"/>
                     </a:solidFill>
@@ -11833,7 +11833,7 @@
               </a:ln>
               <a:extLst>
                 <a:ext uri="{91240B29-F687-4f45-9708-019B960494DF}">
-                  <a14:hiddenLine xmlns="" xmlns:a14="http://schemas.microsoft.com/office/drawing/2010/main" w="9525">
+                  <a14:hiddenLine xmlns:a14="http://schemas.microsoft.com/office/drawing/2010/main" xmlns="" w="9525">
                     <a:solidFill>
                       <a:srgbClr val="000000"/>
                     </a:solidFill>
@@ -11923,7 +11923,7 @@
               </a:ln>
               <a:extLst>
                 <a:ext uri="{91240B29-F687-4f45-9708-019B960494DF}">
-                  <a14:hiddenLine xmlns="" xmlns:a14="http://schemas.microsoft.com/office/drawing/2010/main" w="9525">
+                  <a14:hiddenLine xmlns:a14="http://schemas.microsoft.com/office/drawing/2010/main" xmlns="" w="9525">
                     <a:solidFill>
                       <a:srgbClr val="000000"/>
                     </a:solidFill>
@@ -11991,7 +11991,7 @@
               </a:ln>
               <a:extLst>
                 <a:ext uri="{91240B29-F687-4f45-9708-019B960494DF}">
-                  <a14:hiddenLine xmlns="" xmlns:a14="http://schemas.microsoft.com/office/drawing/2010/main" w="9525">
+                  <a14:hiddenLine xmlns:a14="http://schemas.microsoft.com/office/drawing/2010/main" xmlns="" w="9525">
                     <a:solidFill>
                       <a:srgbClr val="000000"/>
                     </a:solidFill>
@@ -12081,7 +12081,7 @@
               </a:ln>
               <a:extLst>
                 <a:ext uri="{91240B29-F687-4f45-9708-019B960494DF}">
-                  <a14:hiddenLine xmlns="" xmlns:a14="http://schemas.microsoft.com/office/drawing/2010/main" w="9525">
+                  <a14:hiddenLine xmlns:a14="http://schemas.microsoft.com/office/drawing/2010/main" xmlns="" w="9525">
                     <a:solidFill>
                       <a:srgbClr val="000000"/>
                     </a:solidFill>
@@ -12149,7 +12149,7 @@
               </a:ln>
               <a:extLst>
                 <a:ext uri="{91240B29-F687-4f45-9708-019B960494DF}">
-                  <a14:hiddenLine xmlns="" xmlns:a14="http://schemas.microsoft.com/office/drawing/2010/main" w="9525">
+                  <a14:hiddenLine xmlns:a14="http://schemas.microsoft.com/office/drawing/2010/main" xmlns="" w="9525">
                     <a:solidFill>
                       <a:srgbClr val="000000"/>
                     </a:solidFill>
@@ -12239,7 +12239,7 @@
               </a:ln>
               <a:extLst>
                 <a:ext uri="{91240B29-F687-4f45-9708-019B960494DF}">
-                  <a14:hiddenLine xmlns="" xmlns:a14="http://schemas.microsoft.com/office/drawing/2010/main" w="9525">
+                  <a14:hiddenLine xmlns:a14="http://schemas.microsoft.com/office/drawing/2010/main" xmlns="" w="9525">
                     <a:solidFill>
                       <a:srgbClr val="000000"/>
                     </a:solidFill>
@@ -12273,7 +12273,7 @@
               </a:ln>
               <a:extLst>
                 <a:ext uri="{91240B29-F687-4f45-9708-019B960494DF}">
-                  <a14:hiddenLine xmlns="" xmlns:a14="http://schemas.microsoft.com/office/drawing/2010/main" w="9525">
+                  <a14:hiddenLine xmlns:a14="http://schemas.microsoft.com/office/drawing/2010/main" xmlns="" w="9525">
                     <a:solidFill>
                       <a:srgbClr val="000000"/>
                     </a:solidFill>
@@ -12414,7 +12414,7 @@
             <a:fld id="{48A87A34-81AB-432B-8DAE-1953F412C126}" type="datetimeFigureOut">
               <a:rPr lang="en-US" dirty="0"/>
               <a:pPr/>
-              <a:t>11/20/2017</a:t>
+              <a:t>11/21/2017</a:t>
             </a:fld>
             <a:endParaRPr lang="en-US" dirty="0"/>
           </a:p>
@@ -14038,7 +14038,7 @@
             </a:pPr>
             <a:r>
               <a:rPr lang="en-US" dirty="0"/>
-              <a:t>UI tests – executed  </a:t>
+              <a:t>UI tests – checking only the UI functionality</a:t>
             </a:r>
           </a:p>
           <a:p>
@@ -14278,7 +14278,7 @@
         </p:spPr>
         <p:txBody>
           <a:bodyPr>
-            <a:normAutofit lnSpcReduction="10000"/>
+            <a:normAutofit/>
           </a:bodyPr>
           <a:lstStyle/>
           <a:p>
@@ -14522,7 +14522,7 @@
             </a:r>
             <a:r>
               <a:rPr lang="en-US" sz="1200" dirty="0"/>
-              <a:t> bigger than 5461 (5461 * 12 = UInt16.MaxValue) and verify that service returns 400</a:t>
+              <a:t> = 5642 and verify that service returns 400</a:t>
             </a:r>
           </a:p>
           <a:p>
@@ -14859,7 +14859,7 @@
         <p:spPr/>
         <p:txBody>
           <a:bodyPr>
-            <a:normAutofit lnSpcReduction="10000"/>
+            <a:normAutofit/>
           </a:bodyPr>
           <a:lstStyle/>
           <a:p>
@@ -14869,48 +14869,6 @@
             <a:r>
               <a:rPr lang="en-US" sz="2000" dirty="0"/>
               <a:t>Tool – Selenium</a:t>
-            </a:r>
-          </a:p>
-          <a:p>
-            <a:r>
-              <a:rPr lang="en-US" sz="1800" dirty="0"/>
-              <a:t>Verify app startup</a:t>
-            </a:r>
-          </a:p>
-          <a:p>
-            <a:pPr marL="800100" lvl="1" indent="-342900">
-              <a:buFont typeface="+mj-lt"/>
-              <a:buAutoNum type="arabicPeriod"/>
-            </a:pPr>
-            <a:r>
-              <a:rPr lang="en-US" sz="1200" dirty="0"/>
-              <a:t>Run application without working web service. Verify that </a:t>
-            </a:r>
-            <a:r>
-              <a:rPr lang="en-US" sz="1200" dirty="0" err="1"/>
-              <a:t>MessageBox</a:t>
-            </a:r>
-            <a:r>
-              <a:rPr lang="en-US" sz="1200" dirty="0"/>
-              <a:t> with an exception was shown and application was closed after.</a:t>
-            </a:r>
-          </a:p>
-          <a:p>
-            <a:pPr marL="800100" lvl="1" indent="-342900">
-              <a:buFont typeface="+mj-lt"/>
-              <a:buAutoNum type="arabicPeriod"/>
-            </a:pPr>
-            <a:r>
-              <a:rPr lang="en-US" sz="1200" dirty="0"/>
-              <a:t>Run application with working web service. Verify that no errors were shown and </a:t>
-            </a:r>
-            <a:r>
-              <a:rPr lang="en-US" sz="1200" dirty="0" err="1"/>
-              <a:t>loanTypeComboBox</a:t>
-            </a:r>
-            <a:r>
-              <a:rPr lang="en-US" sz="1200" dirty="0"/>
-              <a:t> was populated with loan types.</a:t>
             </a:r>
           </a:p>
           <a:p>
